--- a/01_python/cours/03_boucle while.pptx
+++ b/01_python/cours/03_boucle while.pptx
@@ -1613,14 +1613,14 @@
           <a:effectLst/>
           <a:extLst>
             <a:ext uri="{909E8E84-426E-40dd-AFC4-6F175D3DCCD1}">
-              <a14:hiddenFill xmlns="" xmlns:a14="http://schemas.microsoft.com/office/drawing/2010/main">
+              <a14:hiddenFill xmlns:a14="http://schemas.microsoft.com/office/drawing/2010/main" xmlns="">
                 <a:solidFill>
                   <a:schemeClr val="accent1"/>
                 </a:solidFill>
               </a14:hiddenFill>
             </a:ext>
             <a:ext uri="{91240B29-F687-4f45-9708-019B960494DF}">
-              <a14:hiddenLine xmlns="" xmlns:a14="http://schemas.microsoft.com/office/drawing/2010/main" w="9525">
+              <a14:hiddenLine xmlns:a14="http://schemas.microsoft.com/office/drawing/2010/main" xmlns="" w="9525">
                 <a:solidFill>
                   <a:schemeClr val="tx1"/>
                 </a:solidFill>
@@ -1630,7 +1630,7 @@
               </a14:hiddenLine>
             </a:ext>
             <a:ext uri="{AF507438-7753-43e0-B8FC-AC1667EBCBE1}">
-              <a14:hiddenEffects xmlns="" xmlns:a14="http://schemas.microsoft.com/office/drawing/2010/main">
+              <a14:hiddenEffects xmlns:a14="http://schemas.microsoft.com/office/drawing/2010/main" xmlns="">
                 <a:effectLst>
                   <a:outerShdw blurRad="63500" dist="38099" dir="2700000" algn="ctr" rotWithShape="0">
                     <a:schemeClr val="bg2">
@@ -1641,7 +1641,7 @@
               </a14:hiddenEffects>
             </a:ext>
             <a:ext uri="{FAA26D3D-D897-4be2-8F04-BA451C77F1D7}">
-              <ma14:placeholderFlag xmlns="" xmlns:ma14="http://schemas.microsoft.com/office/mac/drawingml/2011/main" val="1"/>
+              <ma14:placeholderFlag xmlns:ma14="http://schemas.microsoft.com/office/mac/drawingml/2011/main" xmlns="" val="1"/>
             </a:ext>
           </a:extLst>
         </p:spPr>
@@ -1686,14 +1686,14 @@
           <a:effectLst/>
           <a:extLst>
             <a:ext uri="{909E8E84-426E-40dd-AFC4-6F175D3DCCD1}">
-              <a14:hiddenFill xmlns="" xmlns:a14="http://schemas.microsoft.com/office/drawing/2010/main">
+              <a14:hiddenFill xmlns:a14="http://schemas.microsoft.com/office/drawing/2010/main" xmlns="">
                 <a:solidFill>
                   <a:schemeClr val="accent1"/>
                 </a:solidFill>
               </a14:hiddenFill>
             </a:ext>
             <a:ext uri="{91240B29-F687-4f45-9708-019B960494DF}">
-              <a14:hiddenLine xmlns="" xmlns:a14="http://schemas.microsoft.com/office/drawing/2010/main" w="9525">
+              <a14:hiddenLine xmlns:a14="http://schemas.microsoft.com/office/drawing/2010/main" xmlns="" w="9525">
                 <a:solidFill>
                   <a:schemeClr val="tx1"/>
                 </a:solidFill>
@@ -1703,7 +1703,7 @@
               </a14:hiddenLine>
             </a:ext>
             <a:ext uri="{AF507438-7753-43e0-B8FC-AC1667EBCBE1}">
-              <a14:hiddenEffects xmlns="" xmlns:a14="http://schemas.microsoft.com/office/drawing/2010/main">
+              <a14:hiddenEffects xmlns:a14="http://schemas.microsoft.com/office/drawing/2010/main" xmlns="">
                 <a:effectLst>
                   <a:outerShdw blurRad="63500" dist="38099" dir="2700000" algn="ctr" rotWithShape="0">
                     <a:schemeClr val="bg2">
@@ -1714,7 +1714,7 @@
               </a14:hiddenEffects>
             </a:ext>
             <a:ext uri="{FAA26D3D-D897-4be2-8F04-BA451C77F1D7}">
-              <ma14:placeholderFlag xmlns="" xmlns:ma14="http://schemas.microsoft.com/office/mac/drawingml/2011/main" val="1"/>
+              <ma14:placeholderFlag xmlns:ma14="http://schemas.microsoft.com/office/mac/drawingml/2011/main" xmlns="" val="1"/>
             </a:ext>
           </a:extLst>
         </p:spPr>
@@ -1759,14 +1759,14 @@
           <a:effectLst/>
           <a:extLst>
             <a:ext uri="{909E8E84-426E-40dd-AFC4-6F175D3DCCD1}">
-              <a14:hiddenFill xmlns="" xmlns:a14="http://schemas.microsoft.com/office/drawing/2010/main">
+              <a14:hiddenFill xmlns:a14="http://schemas.microsoft.com/office/drawing/2010/main" xmlns="">
                 <a:solidFill>
                   <a:schemeClr val="accent1"/>
                 </a:solidFill>
               </a14:hiddenFill>
             </a:ext>
             <a:ext uri="{91240B29-F687-4f45-9708-019B960494DF}">
-              <a14:hiddenLine xmlns="" xmlns:a14="http://schemas.microsoft.com/office/drawing/2010/main" w="9525">
+              <a14:hiddenLine xmlns:a14="http://schemas.microsoft.com/office/drawing/2010/main" xmlns="" w="9525">
                 <a:solidFill>
                   <a:schemeClr val="tx1"/>
                 </a:solidFill>
@@ -1776,7 +1776,7 @@
               </a14:hiddenLine>
             </a:ext>
             <a:ext uri="{AF507438-7753-43e0-B8FC-AC1667EBCBE1}">
-              <a14:hiddenEffects xmlns="" xmlns:a14="http://schemas.microsoft.com/office/drawing/2010/main">
+              <a14:hiddenEffects xmlns:a14="http://schemas.microsoft.com/office/drawing/2010/main" xmlns="">
                 <a:effectLst>
                   <a:outerShdw blurRad="63500" dist="38099" dir="2700000" algn="ctr" rotWithShape="0">
                     <a:schemeClr val="bg2">
@@ -1787,7 +1787,7 @@
               </a14:hiddenEffects>
             </a:ext>
             <a:ext uri="{FAA26D3D-D897-4be2-8F04-BA451C77F1D7}">
-              <ma14:placeholderFlag xmlns="" xmlns:ma14="http://schemas.microsoft.com/office/mac/drawingml/2011/main" val="1"/>
+              <ma14:placeholderFlag xmlns:ma14="http://schemas.microsoft.com/office/mac/drawingml/2011/main" xmlns="" val="1"/>
             </a:ext>
           </a:extLst>
         </p:spPr>
@@ -1832,14 +1832,14 @@
           <a:effectLst/>
           <a:extLst>
             <a:ext uri="{909E8E84-426E-40dd-AFC4-6F175D3DCCD1}">
-              <a14:hiddenFill xmlns="" xmlns:a14="http://schemas.microsoft.com/office/drawing/2010/main">
+              <a14:hiddenFill xmlns:a14="http://schemas.microsoft.com/office/drawing/2010/main" xmlns="">
                 <a:solidFill>
                   <a:schemeClr val="accent1"/>
                 </a:solidFill>
               </a14:hiddenFill>
             </a:ext>
             <a:ext uri="{91240B29-F687-4f45-9708-019B960494DF}">
-              <a14:hiddenLine xmlns="" xmlns:a14="http://schemas.microsoft.com/office/drawing/2010/main" w="9525">
+              <a14:hiddenLine xmlns:a14="http://schemas.microsoft.com/office/drawing/2010/main" xmlns="" w="9525">
                 <a:solidFill>
                   <a:schemeClr val="tx1"/>
                 </a:solidFill>
@@ -1849,7 +1849,7 @@
               </a14:hiddenLine>
             </a:ext>
             <a:ext uri="{AF507438-7753-43e0-B8FC-AC1667EBCBE1}">
-              <a14:hiddenEffects xmlns="" xmlns:a14="http://schemas.microsoft.com/office/drawing/2010/main">
+              <a14:hiddenEffects xmlns:a14="http://schemas.microsoft.com/office/drawing/2010/main" xmlns="">
                 <a:effectLst>
                   <a:outerShdw blurRad="63500" dist="38099" dir="2700000" algn="ctr" rotWithShape="0">
                     <a:schemeClr val="bg2">
@@ -1860,7 +1860,7 @@
               </a14:hiddenEffects>
             </a:ext>
             <a:ext uri="{FAA26D3D-D897-4be2-8F04-BA451C77F1D7}">
-              <ma14:placeholderFlag xmlns="" xmlns:ma14="http://schemas.microsoft.com/office/mac/drawingml/2011/main" val="1"/>
+              <ma14:placeholderFlag xmlns:ma14="http://schemas.microsoft.com/office/mac/drawingml/2011/main" xmlns="" val="1"/>
             </a:ext>
           </a:extLst>
         </p:spPr>
@@ -1946,14 +1946,14 @@
           <a:effectLst/>
           <a:extLst>
             <a:ext uri="{909E8E84-426E-40dd-AFC4-6F175D3DCCD1}">
-              <a14:hiddenFill xmlns="" xmlns:a14="http://schemas.microsoft.com/office/drawing/2010/main">
+              <a14:hiddenFill xmlns:a14="http://schemas.microsoft.com/office/drawing/2010/main" xmlns="">
                 <a:solidFill>
                   <a:schemeClr val="accent1"/>
                 </a:solidFill>
               </a14:hiddenFill>
             </a:ext>
             <a:ext uri="{91240B29-F687-4f45-9708-019B960494DF}">
-              <a14:hiddenLine xmlns="" xmlns:a14="http://schemas.microsoft.com/office/drawing/2010/main" w="9525">
+              <a14:hiddenLine xmlns:a14="http://schemas.microsoft.com/office/drawing/2010/main" xmlns="" w="9525">
                 <a:solidFill>
                   <a:schemeClr val="tx1"/>
                 </a:solidFill>
@@ -1963,7 +1963,7 @@
               </a14:hiddenLine>
             </a:ext>
             <a:ext uri="{AF507438-7753-43e0-B8FC-AC1667EBCBE1}">
-              <a14:hiddenEffects xmlns="" xmlns:a14="http://schemas.microsoft.com/office/drawing/2010/main">
+              <a14:hiddenEffects xmlns:a14="http://schemas.microsoft.com/office/drawing/2010/main" xmlns="">
                 <a:effectLst>
                   <a:outerShdw blurRad="63500" dist="38099" dir="2700000" algn="ctr" rotWithShape="0">
                     <a:schemeClr val="bg2">
@@ -1974,7 +1974,7 @@
               </a14:hiddenEffects>
             </a:ext>
             <a:ext uri="{FAA26D3D-D897-4be2-8F04-BA451C77F1D7}">
-              <ma14:placeholderFlag xmlns="" xmlns:ma14="http://schemas.microsoft.com/office/mac/drawingml/2011/main" val="1"/>
+              <ma14:placeholderFlag xmlns:ma14="http://schemas.microsoft.com/office/mac/drawingml/2011/main" xmlns="" val="1"/>
             </a:ext>
           </a:extLst>
         </p:spPr>
@@ -2019,14 +2019,14 @@
           <a:effectLst/>
           <a:extLst>
             <a:ext uri="{909E8E84-426E-40dd-AFC4-6F175D3DCCD1}">
-              <a14:hiddenFill xmlns="" xmlns:a14="http://schemas.microsoft.com/office/drawing/2010/main">
+              <a14:hiddenFill xmlns:a14="http://schemas.microsoft.com/office/drawing/2010/main" xmlns="">
                 <a:solidFill>
                   <a:schemeClr val="accent1"/>
                 </a:solidFill>
               </a14:hiddenFill>
             </a:ext>
             <a:ext uri="{91240B29-F687-4f45-9708-019B960494DF}">
-              <a14:hiddenLine xmlns="" xmlns:a14="http://schemas.microsoft.com/office/drawing/2010/main" w="9525">
+              <a14:hiddenLine xmlns:a14="http://schemas.microsoft.com/office/drawing/2010/main" xmlns="" w="9525">
                 <a:solidFill>
                   <a:schemeClr val="tx1"/>
                 </a:solidFill>
@@ -2036,7 +2036,7 @@
               </a14:hiddenLine>
             </a:ext>
             <a:ext uri="{AF507438-7753-43e0-B8FC-AC1667EBCBE1}">
-              <a14:hiddenEffects xmlns="" xmlns:a14="http://schemas.microsoft.com/office/drawing/2010/main">
+              <a14:hiddenEffects xmlns:a14="http://schemas.microsoft.com/office/drawing/2010/main" xmlns="">
                 <a:effectLst>
                   <a:outerShdw blurRad="63500" dist="38099" dir="2700000" algn="ctr" rotWithShape="0">
                     <a:schemeClr val="bg2">
@@ -2047,7 +2047,7 @@
               </a14:hiddenEffects>
             </a:ext>
             <a:ext uri="{FAA26D3D-D897-4be2-8F04-BA451C77F1D7}">
-              <ma14:placeholderFlag xmlns="" xmlns:ma14="http://schemas.microsoft.com/office/mac/drawingml/2011/main" val="1"/>
+              <ma14:placeholderFlag xmlns:ma14="http://schemas.microsoft.com/office/mac/drawingml/2011/main" xmlns="" val="1"/>
             </a:ext>
           </a:extLst>
         </p:spPr>
@@ -2097,7 +2097,7 @@
           <a:effectLst/>
           <a:extLst>
             <a:ext uri="{AF507438-7753-43e0-B8FC-AC1667EBCBE1}">
-              <a14:hiddenEffects xmlns="" xmlns:a14="http://schemas.microsoft.com/office/drawing/2010/main">
+              <a14:hiddenEffects xmlns:a14="http://schemas.microsoft.com/office/drawing/2010/main" xmlns="">
                 <a:effectLst>
                   <a:outerShdw blurRad="63500" dist="38099" dir="2700000" algn="ctr" rotWithShape="0">
                     <a:srgbClr val="000000">
@@ -2108,7 +2108,7 @@
               </a14:hiddenEffects>
             </a:ext>
             <a:ext uri="{53640926-AAD7-44d8-BBD7-CCE9431645EC}">
-              <a14:shadowObscured xmlns="" xmlns:a14="http://schemas.microsoft.com/office/drawing/2010/main" val="1"/>
+              <a14:shadowObscured xmlns:a14="http://schemas.microsoft.com/office/drawing/2010/main" xmlns="" val="1"/>
             </a:ext>
           </a:extLst>
         </p:spPr>
@@ -2138,14 +2138,14 @@
           <a:effectLst/>
           <a:extLst>
             <a:ext uri="{909E8E84-426E-40dd-AFC4-6F175D3DCCD1}">
-              <a14:hiddenFill xmlns="" xmlns:a14="http://schemas.microsoft.com/office/drawing/2010/main">
+              <a14:hiddenFill xmlns:a14="http://schemas.microsoft.com/office/drawing/2010/main" xmlns="">
                 <a:solidFill>
                   <a:schemeClr val="accent1"/>
                 </a:solidFill>
               </a14:hiddenFill>
             </a:ext>
             <a:ext uri="{91240B29-F687-4f45-9708-019B960494DF}">
-              <a14:hiddenLine xmlns="" xmlns:a14="http://schemas.microsoft.com/office/drawing/2010/main" w="9525">
+              <a14:hiddenLine xmlns:a14="http://schemas.microsoft.com/office/drawing/2010/main" xmlns="" w="9525">
                 <a:solidFill>
                   <a:schemeClr val="tx1"/>
                 </a:solidFill>
@@ -2155,7 +2155,7 @@
               </a14:hiddenLine>
             </a:ext>
             <a:ext uri="{AF507438-7753-43e0-B8FC-AC1667EBCBE1}">
-              <a14:hiddenEffects xmlns="" xmlns:a14="http://schemas.microsoft.com/office/drawing/2010/main">
+              <a14:hiddenEffects xmlns:a14="http://schemas.microsoft.com/office/drawing/2010/main" xmlns="">
                 <a:effectLst>
                   <a:outerShdw blurRad="63500" dist="38099" dir="2700000" algn="ctr" rotWithShape="0">
                     <a:schemeClr val="bg2">
@@ -2166,7 +2166,7 @@
               </a14:hiddenEffects>
             </a:ext>
             <a:ext uri="{FAA26D3D-D897-4be2-8F04-BA451C77F1D7}">
-              <ma14:placeholderFlag xmlns="" xmlns:ma14="http://schemas.microsoft.com/office/mac/drawingml/2011/main" val="1"/>
+              <ma14:placeholderFlag xmlns:ma14="http://schemas.microsoft.com/office/mac/drawingml/2011/main" xmlns="" val="1"/>
             </a:ext>
           </a:extLst>
         </p:spPr>
@@ -2239,14 +2239,14 @@
           <a:effectLst/>
           <a:extLst>
             <a:ext uri="{909E8E84-426E-40dd-AFC4-6F175D3DCCD1}">
-              <a14:hiddenFill xmlns="" xmlns:a14="http://schemas.microsoft.com/office/drawing/2010/main">
+              <a14:hiddenFill xmlns:a14="http://schemas.microsoft.com/office/drawing/2010/main" xmlns="">
                 <a:solidFill>
                   <a:schemeClr val="accent1"/>
                 </a:solidFill>
               </a14:hiddenFill>
             </a:ext>
             <a:ext uri="{91240B29-F687-4f45-9708-019B960494DF}">
-              <a14:hiddenLine xmlns="" xmlns:a14="http://schemas.microsoft.com/office/drawing/2010/main" w="9525">
+              <a14:hiddenLine xmlns:a14="http://schemas.microsoft.com/office/drawing/2010/main" xmlns="" w="9525">
                 <a:solidFill>
                   <a:schemeClr val="tx1"/>
                 </a:solidFill>
@@ -2256,7 +2256,7 @@
               </a14:hiddenLine>
             </a:ext>
             <a:ext uri="{AF507438-7753-43e0-B8FC-AC1667EBCBE1}">
-              <a14:hiddenEffects xmlns="" xmlns:a14="http://schemas.microsoft.com/office/drawing/2010/main">
+              <a14:hiddenEffects xmlns:a14="http://schemas.microsoft.com/office/drawing/2010/main" xmlns="">
                 <a:effectLst>
                   <a:outerShdw blurRad="63500" dist="38099" dir="2700000" algn="ctr" rotWithShape="0">
                     <a:schemeClr val="bg2">
@@ -2267,7 +2267,7 @@
               </a14:hiddenEffects>
             </a:ext>
             <a:ext uri="{FAA26D3D-D897-4be2-8F04-BA451C77F1D7}">
-              <ma14:placeholderFlag xmlns="" xmlns:ma14="http://schemas.microsoft.com/office/mac/drawingml/2011/main" val="1"/>
+              <ma14:placeholderFlag xmlns:ma14="http://schemas.microsoft.com/office/mac/drawingml/2011/main" xmlns="" val="1"/>
             </a:ext>
           </a:extLst>
         </p:spPr>
@@ -2312,14 +2312,14 @@
           <a:effectLst/>
           <a:extLst>
             <a:ext uri="{909E8E84-426E-40dd-AFC4-6F175D3DCCD1}">
-              <a14:hiddenFill xmlns="" xmlns:a14="http://schemas.microsoft.com/office/drawing/2010/main">
+              <a14:hiddenFill xmlns:a14="http://schemas.microsoft.com/office/drawing/2010/main" xmlns="">
                 <a:solidFill>
                   <a:schemeClr val="accent1"/>
                 </a:solidFill>
               </a14:hiddenFill>
             </a:ext>
             <a:ext uri="{91240B29-F687-4f45-9708-019B960494DF}">
-              <a14:hiddenLine xmlns="" xmlns:a14="http://schemas.microsoft.com/office/drawing/2010/main" w="9525">
+              <a14:hiddenLine xmlns:a14="http://schemas.microsoft.com/office/drawing/2010/main" xmlns="" w="9525">
                 <a:solidFill>
                   <a:schemeClr val="tx1"/>
                 </a:solidFill>
@@ -2329,7 +2329,7 @@
               </a14:hiddenLine>
             </a:ext>
             <a:ext uri="{AF507438-7753-43e0-B8FC-AC1667EBCBE1}">
-              <a14:hiddenEffects xmlns="" xmlns:a14="http://schemas.microsoft.com/office/drawing/2010/main">
+              <a14:hiddenEffects xmlns:a14="http://schemas.microsoft.com/office/drawing/2010/main" xmlns="">
                 <a:effectLst>
                   <a:outerShdw blurRad="63500" dist="38099" dir="2700000" algn="ctr" rotWithShape="0">
                     <a:schemeClr val="bg2">
@@ -2340,7 +2340,7 @@
               </a14:hiddenEffects>
             </a:ext>
             <a:ext uri="{FAA26D3D-D897-4be2-8F04-BA451C77F1D7}">
-              <ma14:placeholderFlag xmlns="" xmlns:ma14="http://schemas.microsoft.com/office/mac/drawingml/2011/main" val="1"/>
+              <ma14:placeholderFlag xmlns:ma14="http://schemas.microsoft.com/office/mac/drawingml/2011/main" xmlns="" val="1"/>
             </a:ext>
           </a:extLst>
         </p:spPr>
@@ -6033,10 +6033,15 @@
             <p:ph type="subTitle" idx="1"/>
           </p:nvPr>
         </p:nvSpPr>
-        <p:spPr/>
+        <p:spPr>
+          <a:xfrm>
+            <a:off x="1524000" y="3602038"/>
+            <a:ext cx="10404648" cy="1655762"/>
+          </a:xfrm>
+        </p:spPr>
         <p:txBody>
           <a:bodyPr>
-            <a:normAutofit fontScale="70000" lnSpcReduction="20000"/>
+            <a:normAutofit fontScale="55000" lnSpcReduction="20000"/>
           </a:bodyPr>
           <a:lstStyle/>
           <a:p>
@@ -6089,7 +6094,7 @@
             </a:r>
             <a:r>
               <a:rPr lang="fr-FR" dirty="0"/>
-              <a:t>-nage (une technique au judo) jusqu’à la maitrise du geste : on ne sait pas</a:t>
+              <a:t>-nage (une technique au judo) jusqu’à la maitrise du geste : on ne sait pas combien de fois il faudra répéter la technique</a:t>
             </a:r>
           </a:p>
           <a:p>
@@ -6099,7 +6104,45 @@
             </a:pPr>
             <a:r>
               <a:rPr lang="fr-FR" dirty="0"/>
-              <a:t>Frotter un objet pour le nettoyer : on ne se sait pas non plus</a:t>
+              <a:t>Frotter un objet pour le nettoyer : on ne se sait pas non plus combien de fois/temps  il faudra frotter</a:t>
+            </a:r>
+          </a:p>
+          <a:p>
+            <a:pPr marL="342900" indent="-342900" algn="l">
+              <a:buFont typeface="Arial" panose="020B0604020202020204" pitchFamily="34" charset="0"/>
+              <a:buChar char="•"/>
+            </a:pPr>
+            <a:r>
+              <a:rPr lang="fr-FR" dirty="0"/>
+              <a:t>Dans des fictions, répéter la même journée jusqu’à trouver la solution (« </a:t>
+            </a:r>
+            <a:r>
+              <a:rPr lang="fr-FR" i="1" dirty="0"/>
+              <a:t>un jour sans fin </a:t>
+            </a:r>
+            <a:r>
+              <a:rPr lang="fr-FR" dirty="0"/>
+              <a:t>», « </a:t>
+            </a:r>
+            <a:r>
+              <a:rPr lang="fr-FR" i="1" dirty="0" err="1"/>
+              <a:t>edge</a:t>
+            </a:r>
+            <a:r>
+              <a:rPr lang="fr-FR" i="1" dirty="0"/>
+              <a:t> of </a:t>
+            </a:r>
+            <a:r>
+              <a:rPr lang="fr-FR" i="1" dirty="0" err="1"/>
+              <a:t>tomorrow</a:t>
+            </a:r>
+            <a:r>
+              <a:rPr lang="fr-FR" i="1" dirty="0"/>
+              <a:t> </a:t>
+            </a:r>
+            <a:r>
+              <a:rPr lang="fr-FR" dirty="0"/>
+              <a:t>», etc.) : on ne se sait pas non plus</a:t>
             </a:r>
           </a:p>
         </p:txBody>
@@ -6215,7 +6258,7 @@
             <a:pPr lvl="1"/>
             <a:r>
               <a:rPr lang="fr-FR" dirty="0"/>
-              <a:t>Je frotte l’objet tant qu’il n’est pas propre</a:t>
+              <a:t>Je frotte l’objet tant qu’il n’est pas propre/brillant</a:t>
             </a:r>
           </a:p>
           <a:p>

--- a/01_python/cours/03_boucle while.pptx
+++ b/01_python/cours/03_boucle while.pptx
@@ -1613,14 +1613,14 @@
           <a:effectLst/>
           <a:extLst>
             <a:ext uri="{909E8E84-426E-40dd-AFC4-6F175D3DCCD1}">
-              <a14:hiddenFill xmlns:a14="http://schemas.microsoft.com/office/drawing/2010/main" xmlns="">
+              <a14:hiddenFill xmlns="" xmlns:a14="http://schemas.microsoft.com/office/drawing/2010/main">
                 <a:solidFill>
                   <a:schemeClr val="accent1"/>
                 </a:solidFill>
               </a14:hiddenFill>
             </a:ext>
             <a:ext uri="{91240B29-F687-4f45-9708-019B960494DF}">
-              <a14:hiddenLine xmlns:a14="http://schemas.microsoft.com/office/drawing/2010/main" xmlns="" w="9525">
+              <a14:hiddenLine xmlns="" xmlns:a14="http://schemas.microsoft.com/office/drawing/2010/main" w="9525">
                 <a:solidFill>
                   <a:schemeClr val="tx1"/>
                 </a:solidFill>
@@ -1630,7 +1630,7 @@
               </a14:hiddenLine>
             </a:ext>
             <a:ext uri="{AF507438-7753-43e0-B8FC-AC1667EBCBE1}">
-              <a14:hiddenEffects xmlns:a14="http://schemas.microsoft.com/office/drawing/2010/main" xmlns="">
+              <a14:hiddenEffects xmlns="" xmlns:a14="http://schemas.microsoft.com/office/drawing/2010/main">
                 <a:effectLst>
                   <a:outerShdw blurRad="63500" dist="38099" dir="2700000" algn="ctr" rotWithShape="0">
                     <a:schemeClr val="bg2">
@@ -1641,7 +1641,7 @@
               </a14:hiddenEffects>
             </a:ext>
             <a:ext uri="{FAA26D3D-D897-4be2-8F04-BA451C77F1D7}">
-              <ma14:placeholderFlag xmlns:ma14="http://schemas.microsoft.com/office/mac/drawingml/2011/main" xmlns="" val="1"/>
+              <ma14:placeholderFlag xmlns="" xmlns:ma14="http://schemas.microsoft.com/office/mac/drawingml/2011/main" val="1"/>
             </a:ext>
           </a:extLst>
         </p:spPr>
@@ -1686,14 +1686,14 @@
           <a:effectLst/>
           <a:extLst>
             <a:ext uri="{909E8E84-426E-40dd-AFC4-6F175D3DCCD1}">
-              <a14:hiddenFill xmlns:a14="http://schemas.microsoft.com/office/drawing/2010/main" xmlns="">
+              <a14:hiddenFill xmlns="" xmlns:a14="http://schemas.microsoft.com/office/drawing/2010/main">
                 <a:solidFill>
                   <a:schemeClr val="accent1"/>
                 </a:solidFill>
               </a14:hiddenFill>
             </a:ext>
             <a:ext uri="{91240B29-F687-4f45-9708-019B960494DF}">
-              <a14:hiddenLine xmlns:a14="http://schemas.microsoft.com/office/drawing/2010/main" xmlns="" w="9525">
+              <a14:hiddenLine xmlns="" xmlns:a14="http://schemas.microsoft.com/office/drawing/2010/main" w="9525">
                 <a:solidFill>
                   <a:schemeClr val="tx1"/>
                 </a:solidFill>
@@ -1703,7 +1703,7 @@
               </a14:hiddenLine>
             </a:ext>
             <a:ext uri="{AF507438-7753-43e0-B8FC-AC1667EBCBE1}">
-              <a14:hiddenEffects xmlns:a14="http://schemas.microsoft.com/office/drawing/2010/main" xmlns="">
+              <a14:hiddenEffects xmlns="" xmlns:a14="http://schemas.microsoft.com/office/drawing/2010/main">
                 <a:effectLst>
                   <a:outerShdw blurRad="63500" dist="38099" dir="2700000" algn="ctr" rotWithShape="0">
                     <a:schemeClr val="bg2">
@@ -1714,7 +1714,7 @@
               </a14:hiddenEffects>
             </a:ext>
             <a:ext uri="{FAA26D3D-D897-4be2-8F04-BA451C77F1D7}">
-              <ma14:placeholderFlag xmlns:ma14="http://schemas.microsoft.com/office/mac/drawingml/2011/main" xmlns="" val="1"/>
+              <ma14:placeholderFlag xmlns="" xmlns:ma14="http://schemas.microsoft.com/office/mac/drawingml/2011/main" val="1"/>
             </a:ext>
           </a:extLst>
         </p:spPr>
@@ -1759,14 +1759,14 @@
           <a:effectLst/>
           <a:extLst>
             <a:ext uri="{909E8E84-426E-40dd-AFC4-6F175D3DCCD1}">
-              <a14:hiddenFill xmlns:a14="http://schemas.microsoft.com/office/drawing/2010/main" xmlns="">
+              <a14:hiddenFill xmlns="" xmlns:a14="http://schemas.microsoft.com/office/drawing/2010/main">
                 <a:solidFill>
                   <a:schemeClr val="accent1"/>
                 </a:solidFill>
               </a14:hiddenFill>
             </a:ext>
             <a:ext uri="{91240B29-F687-4f45-9708-019B960494DF}">
-              <a14:hiddenLine xmlns:a14="http://schemas.microsoft.com/office/drawing/2010/main" xmlns="" w="9525">
+              <a14:hiddenLine xmlns="" xmlns:a14="http://schemas.microsoft.com/office/drawing/2010/main" w="9525">
                 <a:solidFill>
                   <a:schemeClr val="tx1"/>
                 </a:solidFill>
@@ -1776,7 +1776,7 @@
               </a14:hiddenLine>
             </a:ext>
             <a:ext uri="{AF507438-7753-43e0-B8FC-AC1667EBCBE1}">
-              <a14:hiddenEffects xmlns:a14="http://schemas.microsoft.com/office/drawing/2010/main" xmlns="">
+              <a14:hiddenEffects xmlns="" xmlns:a14="http://schemas.microsoft.com/office/drawing/2010/main">
                 <a:effectLst>
                   <a:outerShdw blurRad="63500" dist="38099" dir="2700000" algn="ctr" rotWithShape="0">
                     <a:schemeClr val="bg2">
@@ -1787,7 +1787,7 @@
               </a14:hiddenEffects>
             </a:ext>
             <a:ext uri="{FAA26D3D-D897-4be2-8F04-BA451C77F1D7}">
-              <ma14:placeholderFlag xmlns:ma14="http://schemas.microsoft.com/office/mac/drawingml/2011/main" xmlns="" val="1"/>
+              <ma14:placeholderFlag xmlns="" xmlns:ma14="http://schemas.microsoft.com/office/mac/drawingml/2011/main" val="1"/>
             </a:ext>
           </a:extLst>
         </p:spPr>
@@ -1832,14 +1832,14 @@
           <a:effectLst/>
           <a:extLst>
             <a:ext uri="{909E8E84-426E-40dd-AFC4-6F175D3DCCD1}">
-              <a14:hiddenFill xmlns:a14="http://schemas.microsoft.com/office/drawing/2010/main" xmlns="">
+              <a14:hiddenFill xmlns="" xmlns:a14="http://schemas.microsoft.com/office/drawing/2010/main">
                 <a:solidFill>
                   <a:schemeClr val="accent1"/>
                 </a:solidFill>
               </a14:hiddenFill>
             </a:ext>
             <a:ext uri="{91240B29-F687-4f45-9708-019B960494DF}">
-              <a14:hiddenLine xmlns:a14="http://schemas.microsoft.com/office/drawing/2010/main" xmlns="" w="9525">
+              <a14:hiddenLine xmlns="" xmlns:a14="http://schemas.microsoft.com/office/drawing/2010/main" w="9525">
                 <a:solidFill>
                   <a:schemeClr val="tx1"/>
                 </a:solidFill>
@@ -1849,7 +1849,7 @@
               </a14:hiddenLine>
             </a:ext>
             <a:ext uri="{AF507438-7753-43e0-B8FC-AC1667EBCBE1}">
-              <a14:hiddenEffects xmlns:a14="http://schemas.microsoft.com/office/drawing/2010/main" xmlns="">
+              <a14:hiddenEffects xmlns="" xmlns:a14="http://schemas.microsoft.com/office/drawing/2010/main">
                 <a:effectLst>
                   <a:outerShdw blurRad="63500" dist="38099" dir="2700000" algn="ctr" rotWithShape="0">
                     <a:schemeClr val="bg2">
@@ -1860,7 +1860,7 @@
               </a14:hiddenEffects>
             </a:ext>
             <a:ext uri="{FAA26D3D-D897-4be2-8F04-BA451C77F1D7}">
-              <ma14:placeholderFlag xmlns:ma14="http://schemas.microsoft.com/office/mac/drawingml/2011/main" xmlns="" val="1"/>
+              <ma14:placeholderFlag xmlns="" xmlns:ma14="http://schemas.microsoft.com/office/mac/drawingml/2011/main" val="1"/>
             </a:ext>
           </a:extLst>
         </p:spPr>
@@ -1946,14 +1946,14 @@
           <a:effectLst/>
           <a:extLst>
             <a:ext uri="{909E8E84-426E-40dd-AFC4-6F175D3DCCD1}">
-              <a14:hiddenFill xmlns:a14="http://schemas.microsoft.com/office/drawing/2010/main" xmlns="">
+              <a14:hiddenFill xmlns="" xmlns:a14="http://schemas.microsoft.com/office/drawing/2010/main">
                 <a:solidFill>
                   <a:schemeClr val="accent1"/>
                 </a:solidFill>
               </a14:hiddenFill>
             </a:ext>
             <a:ext uri="{91240B29-F687-4f45-9708-019B960494DF}">
-              <a14:hiddenLine xmlns:a14="http://schemas.microsoft.com/office/drawing/2010/main" xmlns="" w="9525">
+              <a14:hiddenLine xmlns="" xmlns:a14="http://schemas.microsoft.com/office/drawing/2010/main" w="9525">
                 <a:solidFill>
                   <a:schemeClr val="tx1"/>
                 </a:solidFill>
@@ -1963,7 +1963,7 @@
               </a14:hiddenLine>
             </a:ext>
             <a:ext uri="{AF507438-7753-43e0-B8FC-AC1667EBCBE1}">
-              <a14:hiddenEffects xmlns:a14="http://schemas.microsoft.com/office/drawing/2010/main" xmlns="">
+              <a14:hiddenEffects xmlns="" xmlns:a14="http://schemas.microsoft.com/office/drawing/2010/main">
                 <a:effectLst>
                   <a:outerShdw blurRad="63500" dist="38099" dir="2700000" algn="ctr" rotWithShape="0">
                     <a:schemeClr val="bg2">
@@ -1974,7 +1974,7 @@
               </a14:hiddenEffects>
             </a:ext>
             <a:ext uri="{FAA26D3D-D897-4be2-8F04-BA451C77F1D7}">
-              <ma14:placeholderFlag xmlns:ma14="http://schemas.microsoft.com/office/mac/drawingml/2011/main" xmlns="" val="1"/>
+              <ma14:placeholderFlag xmlns="" xmlns:ma14="http://schemas.microsoft.com/office/mac/drawingml/2011/main" val="1"/>
             </a:ext>
           </a:extLst>
         </p:spPr>
@@ -2019,14 +2019,14 @@
           <a:effectLst/>
           <a:extLst>
             <a:ext uri="{909E8E84-426E-40dd-AFC4-6F175D3DCCD1}">
-              <a14:hiddenFill xmlns:a14="http://schemas.microsoft.com/office/drawing/2010/main" xmlns="">
+              <a14:hiddenFill xmlns="" xmlns:a14="http://schemas.microsoft.com/office/drawing/2010/main">
                 <a:solidFill>
                   <a:schemeClr val="accent1"/>
                 </a:solidFill>
               </a14:hiddenFill>
             </a:ext>
             <a:ext uri="{91240B29-F687-4f45-9708-019B960494DF}">
-              <a14:hiddenLine xmlns:a14="http://schemas.microsoft.com/office/drawing/2010/main" xmlns="" w="9525">
+              <a14:hiddenLine xmlns="" xmlns:a14="http://schemas.microsoft.com/office/drawing/2010/main" w="9525">
                 <a:solidFill>
                   <a:schemeClr val="tx1"/>
                 </a:solidFill>
@@ -2036,7 +2036,7 @@
               </a14:hiddenLine>
             </a:ext>
             <a:ext uri="{AF507438-7753-43e0-B8FC-AC1667EBCBE1}">
-              <a14:hiddenEffects xmlns:a14="http://schemas.microsoft.com/office/drawing/2010/main" xmlns="">
+              <a14:hiddenEffects xmlns="" xmlns:a14="http://schemas.microsoft.com/office/drawing/2010/main">
                 <a:effectLst>
                   <a:outerShdw blurRad="63500" dist="38099" dir="2700000" algn="ctr" rotWithShape="0">
                     <a:schemeClr val="bg2">
@@ -2047,7 +2047,7 @@
               </a14:hiddenEffects>
             </a:ext>
             <a:ext uri="{FAA26D3D-D897-4be2-8F04-BA451C77F1D7}">
-              <ma14:placeholderFlag xmlns:ma14="http://schemas.microsoft.com/office/mac/drawingml/2011/main" xmlns="" val="1"/>
+              <ma14:placeholderFlag xmlns="" xmlns:ma14="http://schemas.microsoft.com/office/mac/drawingml/2011/main" val="1"/>
             </a:ext>
           </a:extLst>
         </p:spPr>
@@ -2097,7 +2097,7 @@
           <a:effectLst/>
           <a:extLst>
             <a:ext uri="{AF507438-7753-43e0-B8FC-AC1667EBCBE1}">
-              <a14:hiddenEffects xmlns:a14="http://schemas.microsoft.com/office/drawing/2010/main" xmlns="">
+              <a14:hiddenEffects xmlns="" xmlns:a14="http://schemas.microsoft.com/office/drawing/2010/main">
                 <a:effectLst>
                   <a:outerShdw blurRad="63500" dist="38099" dir="2700000" algn="ctr" rotWithShape="0">
                     <a:srgbClr val="000000">
@@ -2108,7 +2108,7 @@
               </a14:hiddenEffects>
             </a:ext>
             <a:ext uri="{53640926-AAD7-44d8-BBD7-CCE9431645EC}">
-              <a14:shadowObscured xmlns:a14="http://schemas.microsoft.com/office/drawing/2010/main" xmlns="" val="1"/>
+              <a14:shadowObscured xmlns="" xmlns:a14="http://schemas.microsoft.com/office/drawing/2010/main" val="1"/>
             </a:ext>
           </a:extLst>
         </p:spPr>
@@ -2138,14 +2138,14 @@
           <a:effectLst/>
           <a:extLst>
             <a:ext uri="{909E8E84-426E-40dd-AFC4-6F175D3DCCD1}">
-              <a14:hiddenFill xmlns:a14="http://schemas.microsoft.com/office/drawing/2010/main" xmlns="">
+              <a14:hiddenFill xmlns="" xmlns:a14="http://schemas.microsoft.com/office/drawing/2010/main">
                 <a:solidFill>
                   <a:schemeClr val="accent1"/>
                 </a:solidFill>
               </a14:hiddenFill>
             </a:ext>
             <a:ext uri="{91240B29-F687-4f45-9708-019B960494DF}">
-              <a14:hiddenLine xmlns:a14="http://schemas.microsoft.com/office/drawing/2010/main" xmlns="" w="9525">
+              <a14:hiddenLine xmlns="" xmlns:a14="http://schemas.microsoft.com/office/drawing/2010/main" w="9525">
                 <a:solidFill>
                   <a:schemeClr val="tx1"/>
                 </a:solidFill>
@@ -2155,7 +2155,7 @@
               </a14:hiddenLine>
             </a:ext>
             <a:ext uri="{AF507438-7753-43e0-B8FC-AC1667EBCBE1}">
-              <a14:hiddenEffects xmlns:a14="http://schemas.microsoft.com/office/drawing/2010/main" xmlns="">
+              <a14:hiddenEffects xmlns="" xmlns:a14="http://schemas.microsoft.com/office/drawing/2010/main">
                 <a:effectLst>
                   <a:outerShdw blurRad="63500" dist="38099" dir="2700000" algn="ctr" rotWithShape="0">
                     <a:schemeClr val="bg2">
@@ -2166,7 +2166,7 @@
               </a14:hiddenEffects>
             </a:ext>
             <a:ext uri="{FAA26D3D-D897-4be2-8F04-BA451C77F1D7}">
-              <ma14:placeholderFlag xmlns:ma14="http://schemas.microsoft.com/office/mac/drawingml/2011/main" xmlns="" val="1"/>
+              <ma14:placeholderFlag xmlns="" xmlns:ma14="http://schemas.microsoft.com/office/mac/drawingml/2011/main" val="1"/>
             </a:ext>
           </a:extLst>
         </p:spPr>
@@ -2239,14 +2239,14 @@
           <a:effectLst/>
           <a:extLst>
             <a:ext uri="{909E8E84-426E-40dd-AFC4-6F175D3DCCD1}">
-              <a14:hiddenFill xmlns:a14="http://schemas.microsoft.com/office/drawing/2010/main" xmlns="">
+              <a14:hiddenFill xmlns="" xmlns:a14="http://schemas.microsoft.com/office/drawing/2010/main">
                 <a:solidFill>
                   <a:schemeClr val="accent1"/>
                 </a:solidFill>
               </a14:hiddenFill>
             </a:ext>
             <a:ext uri="{91240B29-F687-4f45-9708-019B960494DF}">
-              <a14:hiddenLine xmlns:a14="http://schemas.microsoft.com/office/drawing/2010/main" xmlns="" w="9525">
+              <a14:hiddenLine xmlns="" xmlns:a14="http://schemas.microsoft.com/office/drawing/2010/main" w="9525">
                 <a:solidFill>
                   <a:schemeClr val="tx1"/>
                 </a:solidFill>
@@ -2256,7 +2256,7 @@
               </a14:hiddenLine>
             </a:ext>
             <a:ext uri="{AF507438-7753-43e0-B8FC-AC1667EBCBE1}">
-              <a14:hiddenEffects xmlns:a14="http://schemas.microsoft.com/office/drawing/2010/main" xmlns="">
+              <a14:hiddenEffects xmlns="" xmlns:a14="http://schemas.microsoft.com/office/drawing/2010/main">
                 <a:effectLst>
                   <a:outerShdw blurRad="63500" dist="38099" dir="2700000" algn="ctr" rotWithShape="0">
                     <a:schemeClr val="bg2">
@@ -2267,7 +2267,7 @@
               </a14:hiddenEffects>
             </a:ext>
             <a:ext uri="{FAA26D3D-D897-4be2-8F04-BA451C77F1D7}">
-              <ma14:placeholderFlag xmlns:ma14="http://schemas.microsoft.com/office/mac/drawingml/2011/main" xmlns="" val="1"/>
+              <ma14:placeholderFlag xmlns="" xmlns:ma14="http://schemas.microsoft.com/office/mac/drawingml/2011/main" val="1"/>
             </a:ext>
           </a:extLst>
         </p:spPr>
@@ -2312,14 +2312,14 @@
           <a:effectLst/>
           <a:extLst>
             <a:ext uri="{909E8E84-426E-40dd-AFC4-6F175D3DCCD1}">
-              <a14:hiddenFill xmlns:a14="http://schemas.microsoft.com/office/drawing/2010/main" xmlns="">
+              <a14:hiddenFill xmlns="" xmlns:a14="http://schemas.microsoft.com/office/drawing/2010/main">
                 <a:solidFill>
                   <a:schemeClr val="accent1"/>
                 </a:solidFill>
               </a14:hiddenFill>
             </a:ext>
             <a:ext uri="{91240B29-F687-4f45-9708-019B960494DF}">
-              <a14:hiddenLine xmlns:a14="http://schemas.microsoft.com/office/drawing/2010/main" xmlns="" w="9525">
+              <a14:hiddenLine xmlns="" xmlns:a14="http://schemas.microsoft.com/office/drawing/2010/main" w="9525">
                 <a:solidFill>
                   <a:schemeClr val="tx1"/>
                 </a:solidFill>
@@ -2329,7 +2329,7 @@
               </a14:hiddenLine>
             </a:ext>
             <a:ext uri="{AF507438-7753-43e0-B8FC-AC1667EBCBE1}">
-              <a14:hiddenEffects xmlns:a14="http://schemas.microsoft.com/office/drawing/2010/main" xmlns="">
+              <a14:hiddenEffects xmlns="" xmlns:a14="http://schemas.microsoft.com/office/drawing/2010/main">
                 <a:effectLst>
                   <a:outerShdw blurRad="63500" dist="38099" dir="2700000" algn="ctr" rotWithShape="0">
                     <a:schemeClr val="bg2">
@@ -2340,7 +2340,7 @@
               </a14:hiddenEffects>
             </a:ext>
             <a:ext uri="{FAA26D3D-D897-4be2-8F04-BA451C77F1D7}">
-              <ma14:placeholderFlag xmlns:ma14="http://schemas.microsoft.com/office/mac/drawingml/2011/main" xmlns="" val="1"/>
+              <ma14:placeholderFlag xmlns="" xmlns:ma14="http://schemas.microsoft.com/office/mac/drawingml/2011/main" val="1"/>
             </a:ext>
           </a:extLst>
         </p:spPr>
@@ -5946,7 +5946,7 @@
           <a:p>
             <a:r>
               <a:rPr lang="fr-FR" dirty="0"/>
-              <a:t>Philippe.Renevier@ac-grenoble.fr</a:t>
+              <a:t>Philippe.Renevier-Gonin@ac-grenoble.fr</a:t>
             </a:r>
           </a:p>
         </p:txBody>
